--- a/slides.pptx
+++ b/slides.pptx
@@ -108,6 +108,11 @@
       </a:defRPr>
     </a:lvl9pPr>
   </p:defaultTextStyle>
+  <p:extLst>
+    <p:ext uri="{EFAFB233-063F-42B5-8137-9DF3F51BA10A}">
+      <p15:sldGuideLst xmlns:p15="http://schemas.microsoft.com/office/powerpoint/2012/main"/>
+    </p:ext>
+  </p:extLst>
 </p:presentation>
 </file>
 
@@ -880,7 +885,7 @@
         <a:lstStyle/>
         <a:p>
           <a:r>
-            <a:rPr lang="en-US" b="0" i="0" dirty="0" smtClean="0"/>
+            <a:rPr lang="en-US" b="0" i="0" dirty="0"/>
             <a:t>Exploratory Data Analysis</a:t>
           </a:r>
           <a:endParaRPr lang="zh-CN" altLang="en-US" dirty="0"/>
@@ -917,7 +922,7 @@
         <a:lstStyle/>
         <a:p>
           <a:r>
-            <a:rPr lang="en-US" altLang="zh-CN" dirty="0" smtClean="0"/>
+            <a:rPr lang="en-US" altLang="zh-CN" dirty="0"/>
             <a:t>Feature Extraction</a:t>
           </a:r>
           <a:endParaRPr lang="zh-CN" altLang="en-US" dirty="0"/>
@@ -954,7 +959,7 @@
         <a:lstStyle/>
         <a:p>
           <a:r>
-            <a:rPr lang="en-US" altLang="zh-CN" dirty="0" smtClean="0"/>
+            <a:rPr lang="en-US" altLang="zh-CN" dirty="0"/>
             <a:t>Model Fitting</a:t>
           </a:r>
           <a:endParaRPr lang="zh-CN" altLang="en-US" dirty="0"/>
@@ -991,7 +996,7 @@
         <a:lstStyle/>
         <a:p>
           <a:r>
-            <a:rPr lang="en-US" altLang="zh-CN" dirty="0" smtClean="0"/>
+            <a:rPr lang="en-US" altLang="zh-CN" dirty="0"/>
             <a:t>Prediction</a:t>
           </a:r>
           <a:endParaRPr lang="zh-CN" altLang="en-US" dirty="0"/>
@@ -1028,7 +1033,7 @@
         <a:lstStyle/>
         <a:p>
           <a:r>
-            <a:rPr lang="en-US" altLang="zh-CN" dirty="0" smtClean="0"/>
+            <a:rPr lang="en-US" altLang="zh-CN" dirty="0"/>
             <a:t>Determine what variables should be taken into consideration</a:t>
           </a:r>
           <a:endParaRPr lang="zh-CN" altLang="en-US" dirty="0"/>
@@ -1065,7 +1070,7 @@
         <a:lstStyle/>
         <a:p>
           <a:r>
-            <a:rPr lang="en-US" altLang="zh-CN" dirty="0" smtClean="0"/>
+            <a:rPr lang="en-US" altLang="zh-CN" dirty="0"/>
             <a:t>Visualize data to observe correlation between variables</a:t>
           </a:r>
           <a:endParaRPr lang="zh-CN" altLang="en-US" dirty="0"/>
@@ -1075,10 +1080,24 @@
     <dgm:pt modelId="{D99A37A9-CF0D-449F-AC3A-049458ED032F}" type="parTrans" cxnId="{07656562-C7BD-4E63-BEBF-0D823CDAC844}">
       <dgm:prSet/>
       <dgm:spPr/>
+      <dgm:t>
+        <a:bodyPr/>
+        <a:lstStyle/>
+        <a:p>
+          <a:endParaRPr lang="en-US"/>
+        </a:p>
+      </dgm:t>
     </dgm:pt>
     <dgm:pt modelId="{F3018C24-BB99-4B38-80CE-08CC80FD7291}" type="sibTrans" cxnId="{07656562-C7BD-4E63-BEBF-0D823CDAC844}">
       <dgm:prSet/>
       <dgm:spPr/>
+      <dgm:t>
+        <a:bodyPr/>
+        <a:lstStyle/>
+        <a:p>
+          <a:endParaRPr lang="en-US"/>
+        </a:p>
+      </dgm:t>
     </dgm:pt>
     <dgm:pt modelId="{61F746F4-B5FD-4A2C-8722-F32A6B6CA43C}">
       <dgm:prSet/>
@@ -1088,7 +1107,7 @@
         <a:lstStyle/>
         <a:p>
           <a:r>
-            <a:rPr lang="en-US" altLang="zh-CN" dirty="0" smtClean="0"/>
+            <a:rPr lang="en-US" altLang="zh-CN" dirty="0"/>
             <a:t>Use the fitted model to predict</a:t>
           </a:r>
           <a:endParaRPr lang="zh-CN" altLang="en-US" dirty="0"/>
@@ -1098,10 +1117,24 @@
     <dgm:pt modelId="{B88937D2-75DC-4024-906A-0E6D252226C1}" type="parTrans" cxnId="{320C2D2C-D726-4A03-A038-B2504C70E769}">
       <dgm:prSet/>
       <dgm:spPr/>
+      <dgm:t>
+        <a:bodyPr/>
+        <a:lstStyle/>
+        <a:p>
+          <a:endParaRPr lang="en-US"/>
+        </a:p>
+      </dgm:t>
     </dgm:pt>
     <dgm:pt modelId="{70B2D20C-8B88-4273-A269-C1B41E02B280}" type="sibTrans" cxnId="{320C2D2C-D726-4A03-A038-B2504C70E769}">
       <dgm:prSet/>
       <dgm:spPr/>
+      <dgm:t>
+        <a:bodyPr/>
+        <a:lstStyle/>
+        <a:p>
+          <a:endParaRPr lang="en-US"/>
+        </a:p>
+      </dgm:t>
     </dgm:pt>
     <dgm:pt modelId="{5DAF054A-76C2-4247-B8D9-4BCF973019F9}">
       <dgm:prSet/>
@@ -1111,7 +1144,7 @@
         <a:lstStyle/>
         <a:p>
           <a:r>
-            <a:rPr lang="en-US" b="0" i="0" dirty="0" smtClean="0"/>
+            <a:rPr lang="en-US" b="0" i="0" dirty="0"/>
             <a:t>Using Neural Network Model</a:t>
           </a:r>
           <a:endParaRPr lang="zh-CN" altLang="en-US" dirty="0"/>
@@ -1121,10 +1154,24 @@
     <dgm:pt modelId="{5F26F84F-0733-4E3D-9D63-C05F04029DFD}" type="parTrans" cxnId="{C3315A77-1EFE-4E07-BA56-66295EFA2E17}">
       <dgm:prSet/>
       <dgm:spPr/>
+      <dgm:t>
+        <a:bodyPr/>
+        <a:lstStyle/>
+        <a:p>
+          <a:endParaRPr lang="en-US"/>
+        </a:p>
+      </dgm:t>
     </dgm:pt>
     <dgm:pt modelId="{B0830183-68A3-49E7-A085-497DC6FBA1AC}" type="sibTrans" cxnId="{C3315A77-1EFE-4E07-BA56-66295EFA2E17}">
       <dgm:prSet/>
       <dgm:spPr/>
+      <dgm:t>
+        <a:bodyPr/>
+        <a:lstStyle/>
+        <a:p>
+          <a:endParaRPr lang="en-US"/>
+        </a:p>
+      </dgm:t>
     </dgm:pt>
     <dgm:pt modelId="{4D4F4659-957B-423A-BCCC-7662771DB07F}">
       <dgm:prSet/>
@@ -1134,7 +1181,7 @@
         <a:lstStyle/>
         <a:p>
           <a:r>
-            <a:rPr lang="en-US" altLang="zh-CN" dirty="0" smtClean="0"/>
+            <a:rPr lang="en-US" altLang="zh-CN" dirty="0"/>
             <a:t>Encoding categories variables</a:t>
           </a:r>
           <a:endParaRPr lang="zh-CN" altLang="en-US" dirty="0"/>
@@ -1144,10 +1191,24 @@
     <dgm:pt modelId="{8CD13F4E-EDCC-4EC1-8C31-8C57E9057FA6}" type="parTrans" cxnId="{12D95725-A56B-4E9B-8B12-D31EFF9611D6}">
       <dgm:prSet/>
       <dgm:spPr/>
+      <dgm:t>
+        <a:bodyPr/>
+        <a:lstStyle/>
+        <a:p>
+          <a:endParaRPr lang="en-US"/>
+        </a:p>
+      </dgm:t>
     </dgm:pt>
     <dgm:pt modelId="{BE8B0E08-ABF4-4F9F-BD42-AEF2B5C8ED94}" type="sibTrans" cxnId="{12D95725-A56B-4E9B-8B12-D31EFF9611D6}">
       <dgm:prSet/>
       <dgm:spPr/>
+      <dgm:t>
+        <a:bodyPr/>
+        <a:lstStyle/>
+        <a:p>
+          <a:endParaRPr lang="en-US"/>
+        </a:p>
+      </dgm:t>
     </dgm:pt>
     <dgm:pt modelId="{2D8FB310-42BC-48BC-8FA0-7FEA6C172D82}">
       <dgm:prSet/>
@@ -1157,8 +1218,8 @@
         <a:lstStyle/>
         <a:p>
           <a:r>
-            <a:rPr lang="en-US" altLang="zh-CN" dirty="0" smtClean="0"/>
-            <a:t>Extract key features by using PCA</a:t>
+            <a:rPr lang="en-US" altLang="zh-CN" dirty="0"/>
+            <a:t>Extract important features by using PCA</a:t>
           </a:r>
           <a:endParaRPr lang="zh-CN" altLang="en-US" dirty="0"/>
         </a:p>
@@ -1167,10 +1228,24 @@
     <dgm:pt modelId="{DB342938-ACA5-4BE8-93CD-66B59CD65B85}" type="parTrans" cxnId="{B867EE1F-3D90-45A9-8218-5FAAB8BA2327}">
       <dgm:prSet/>
       <dgm:spPr/>
+      <dgm:t>
+        <a:bodyPr/>
+        <a:lstStyle/>
+        <a:p>
+          <a:endParaRPr lang="en-US"/>
+        </a:p>
+      </dgm:t>
     </dgm:pt>
     <dgm:pt modelId="{14083335-C2A3-46CD-BBD2-EAC3B24F8D63}" type="sibTrans" cxnId="{B867EE1F-3D90-45A9-8218-5FAAB8BA2327}">
       <dgm:prSet/>
       <dgm:spPr/>
+      <dgm:t>
+        <a:bodyPr/>
+        <a:lstStyle/>
+        <a:p>
+          <a:endParaRPr lang="en-US"/>
+        </a:p>
+      </dgm:t>
     </dgm:pt>
     <dgm:pt modelId="{8D813641-B53B-40AA-94C8-41E5DFD8D723}" type="pres">
       <dgm:prSet presAssocID="{C6E569B9-028C-4264-A9F6-78E935CAB15A}" presName="linearFlow" presStyleCnt="0">
@@ -1194,13 +1269,6 @@
         </dgm:presLayoutVars>
       </dgm:prSet>
       <dgm:spPr/>
-      <dgm:t>
-        <a:bodyPr/>
-        <a:lstStyle/>
-        <a:p>
-          <a:endParaRPr lang="zh-CN" altLang="en-US"/>
-        </a:p>
-      </dgm:t>
     </dgm:pt>
     <dgm:pt modelId="{3B24883A-7B2F-4D41-B670-48C4F913B4ED}" type="pres">
       <dgm:prSet presAssocID="{5891B9FA-9F1B-4351-808E-8C8B468E4A6A}" presName="descendantText" presStyleLbl="alignAcc1" presStyleIdx="0" presStyleCnt="4" custLinFactNeighborX="0">
@@ -1209,13 +1277,6 @@
         </dgm:presLayoutVars>
       </dgm:prSet>
       <dgm:spPr/>
-      <dgm:t>
-        <a:bodyPr/>
-        <a:lstStyle/>
-        <a:p>
-          <a:endParaRPr lang="zh-CN" altLang="en-US"/>
-        </a:p>
-      </dgm:t>
     </dgm:pt>
     <dgm:pt modelId="{6DCAECAA-0149-4082-9F8D-7835DC254AA6}" type="pres">
       <dgm:prSet presAssocID="{B7E3E0FB-72C0-4F7E-A6D8-75CCE6329BB2}" presName="sp" presStyleCnt="0"/>
@@ -1233,13 +1294,6 @@
         </dgm:presLayoutVars>
       </dgm:prSet>
       <dgm:spPr/>
-      <dgm:t>
-        <a:bodyPr/>
-        <a:lstStyle/>
-        <a:p>
-          <a:endParaRPr lang="zh-CN" altLang="en-US"/>
-        </a:p>
-      </dgm:t>
     </dgm:pt>
     <dgm:pt modelId="{198EFA76-090C-44C1-8B59-EBA8008160CF}" type="pres">
       <dgm:prSet presAssocID="{67379080-4645-462D-A324-5DEAAC576B15}" presName="descendantText" presStyleLbl="alignAcc1" presStyleIdx="1" presStyleCnt="4" custLinFactNeighborX="0">
@@ -1248,13 +1302,6 @@
         </dgm:presLayoutVars>
       </dgm:prSet>
       <dgm:spPr/>
-      <dgm:t>
-        <a:bodyPr/>
-        <a:lstStyle/>
-        <a:p>
-          <a:endParaRPr lang="zh-CN" altLang="en-US"/>
-        </a:p>
-      </dgm:t>
     </dgm:pt>
     <dgm:pt modelId="{50A5DD71-C09A-4057-A2FD-9618597A9D92}" type="pres">
       <dgm:prSet presAssocID="{E0069D59-5A47-4801-9B90-63082F853305}" presName="sp" presStyleCnt="0"/>
@@ -1272,13 +1319,6 @@
         </dgm:presLayoutVars>
       </dgm:prSet>
       <dgm:spPr/>
-      <dgm:t>
-        <a:bodyPr/>
-        <a:lstStyle/>
-        <a:p>
-          <a:endParaRPr lang="zh-CN" altLang="en-US"/>
-        </a:p>
-      </dgm:t>
     </dgm:pt>
     <dgm:pt modelId="{9377F4FD-6C2C-4A22-9F49-C241BFC770C0}" type="pres">
       <dgm:prSet presAssocID="{4CB3C145-0F7E-417F-A845-09932A19631E}" presName="descendantText" presStyleLbl="alignAcc1" presStyleIdx="2" presStyleCnt="4" custLinFactNeighborX="0" custLinFactNeighborY="0">
@@ -1287,13 +1327,6 @@
         </dgm:presLayoutVars>
       </dgm:prSet>
       <dgm:spPr/>
-      <dgm:t>
-        <a:bodyPr/>
-        <a:lstStyle/>
-        <a:p>
-          <a:endParaRPr lang="zh-CN" altLang="en-US"/>
-        </a:p>
-      </dgm:t>
     </dgm:pt>
     <dgm:pt modelId="{1BB288FB-9FA3-4E18-903A-11F08B3259EE}" type="pres">
       <dgm:prSet presAssocID="{0326A545-125F-4AC7-B5A0-72F4662DE259}" presName="sp" presStyleCnt="0"/>
@@ -1319,37 +1352,30 @@
         </dgm:presLayoutVars>
       </dgm:prSet>
       <dgm:spPr/>
-      <dgm:t>
-        <a:bodyPr/>
-        <a:lstStyle/>
-        <a:p>
-          <a:endParaRPr lang="zh-CN" altLang="en-US"/>
-        </a:p>
-      </dgm:t>
     </dgm:pt>
   </dgm:ptLst>
   <dgm:cxnLst>
-    <dgm:cxn modelId="{56C10382-61C5-45E3-ACF5-1DEDDA62921F}" srcId="{C6E569B9-028C-4264-A9F6-78E935CAB15A}" destId="{0B2448EF-E205-4A7C-BB04-AD51E4557BD3}" srcOrd="3" destOrd="0" parTransId="{FC9D813A-A5A5-40AF-94BA-805E7284FB9E}" sibTransId="{C8E56AA8-43E8-4FE5-955A-D0ACA179EA8E}"/>
+    <dgm:cxn modelId="{B867EE1F-3D90-45A9-8218-5FAAB8BA2327}" srcId="{67379080-4645-462D-A324-5DEAAC576B15}" destId="{2D8FB310-42BC-48BC-8FA0-7FEA6C172D82}" srcOrd="1" destOrd="0" parTransId="{DB342938-ACA5-4BE8-93CD-66B59CD65B85}" sibTransId="{14083335-C2A3-46CD-BBD2-EAC3B24F8D63}"/>
+    <dgm:cxn modelId="{12D95725-A56B-4E9B-8B12-D31EFF9611D6}" srcId="{67379080-4645-462D-A324-5DEAAC576B15}" destId="{4D4F4659-957B-423A-BCCC-7662771DB07F}" srcOrd="0" destOrd="0" parTransId="{8CD13F4E-EDCC-4EC1-8C31-8C57E9057FA6}" sibTransId="{BE8B0E08-ABF4-4F9F-BD42-AEF2B5C8ED94}"/>
+    <dgm:cxn modelId="{320C2D2C-D726-4A03-A038-B2504C70E769}" srcId="{0B2448EF-E205-4A7C-BB04-AD51E4557BD3}" destId="{61F746F4-B5FD-4A2C-8722-F32A6B6CA43C}" srcOrd="0" destOrd="0" parTransId="{B88937D2-75DC-4024-906A-0E6D252226C1}" sibTransId="{70B2D20C-8B88-4273-A269-C1B41E02B280}"/>
     <dgm:cxn modelId="{1237252D-A091-4D74-A1A3-4E8BAFA6B50A}" type="presOf" srcId="{C6E569B9-028C-4264-A9F6-78E935CAB15A}" destId="{8D813641-B53B-40AA-94C8-41E5DFD8D723}" srcOrd="0" destOrd="0" presId="urn:microsoft.com/office/officeart/2005/8/layout/chevron2"/>
+    <dgm:cxn modelId="{199E742D-66E7-4B31-B7E7-DD3DF8596945}" type="presOf" srcId="{4CB3C145-0F7E-417F-A845-09932A19631E}" destId="{3DA43F93-600F-4B61-988F-BF4249AFD8F4}" srcOrd="0" destOrd="0" presId="urn:microsoft.com/office/officeart/2005/8/layout/chevron2"/>
+    <dgm:cxn modelId="{1F30113D-0937-4336-A18E-444FC458BD37}" type="presOf" srcId="{0B2448EF-E205-4A7C-BB04-AD51E4557BD3}" destId="{324316FC-0406-4EA5-A722-ED8E45310CA4}" srcOrd="0" destOrd="0" presId="urn:microsoft.com/office/officeart/2005/8/layout/chevron2"/>
+    <dgm:cxn modelId="{21ABE45E-E644-4062-B939-79F19349A8B1}" type="presOf" srcId="{2D8FB310-42BC-48BC-8FA0-7FEA6C172D82}" destId="{198EFA76-090C-44C1-8B59-EBA8008160CF}" srcOrd="0" destOrd="1" presId="urn:microsoft.com/office/officeart/2005/8/layout/chevron2"/>
+    <dgm:cxn modelId="{07656562-C7BD-4E63-BEBF-0D823CDAC844}" srcId="{5891B9FA-9F1B-4351-808E-8C8B468E4A6A}" destId="{8FA3C03E-B313-42B1-9704-2000ED9966DA}" srcOrd="1" destOrd="0" parTransId="{D99A37A9-CF0D-449F-AC3A-049458ED032F}" sibTransId="{F3018C24-BB99-4B38-80CE-08CC80FD7291}"/>
     <dgm:cxn modelId="{1105BB6C-06E2-4C4B-B948-D737A5DDBAB1}" type="presOf" srcId="{8FA3C03E-B313-42B1-9704-2000ED9966DA}" destId="{3B24883A-7B2F-4D41-B670-48C4F913B4ED}" srcOrd="0" destOrd="1" presId="urn:microsoft.com/office/officeart/2005/8/layout/chevron2"/>
-    <dgm:cxn modelId="{21AFAEA9-34D7-446B-A498-457C2DAC3FD3}" type="presOf" srcId="{61F746F4-B5FD-4A2C-8722-F32A6B6CA43C}" destId="{DE452A04-179D-400A-B952-A12F47CD3D4A}" srcOrd="0" destOrd="0" presId="urn:microsoft.com/office/officeart/2005/8/layout/chevron2"/>
-    <dgm:cxn modelId="{1F30113D-0937-4336-A18E-444FC458BD37}" type="presOf" srcId="{0B2448EF-E205-4A7C-BB04-AD51E4557BD3}" destId="{324316FC-0406-4EA5-A722-ED8E45310CA4}" srcOrd="0" destOrd="0" presId="urn:microsoft.com/office/officeart/2005/8/layout/chevron2"/>
-    <dgm:cxn modelId="{F030D3CB-C4BB-4CC1-96A9-C71E3356892E}" type="presOf" srcId="{90618DF7-8438-4639-9404-C86B26DD28D3}" destId="{3B24883A-7B2F-4D41-B670-48C4F913B4ED}" srcOrd="0" destOrd="0" presId="urn:microsoft.com/office/officeart/2005/8/layout/chevron2"/>
-    <dgm:cxn modelId="{415A217E-8AEF-4A4F-BDF7-730AB65BAA49}" srcId="{5891B9FA-9F1B-4351-808E-8C8B468E4A6A}" destId="{90618DF7-8438-4639-9404-C86B26DD28D3}" srcOrd="0" destOrd="0" parTransId="{E1BB8836-17E5-4716-A50D-CD1DE8619FA6}" sibTransId="{556F4ECA-6B3A-4232-BFD4-AEA8E47C4943}"/>
-    <dgm:cxn modelId="{22C4ADFF-6946-4AD0-A2BD-02AADAC9D6E6}" type="presOf" srcId="{67379080-4645-462D-A324-5DEAAC576B15}" destId="{B8D70098-0B08-4EA0-A638-1E7FE63B3BF4}" srcOrd="0" destOrd="0" presId="urn:microsoft.com/office/officeart/2005/8/layout/chevron2"/>
-    <dgm:cxn modelId="{ADF829CF-4606-40D1-8096-BC3C3579F113}" srcId="{C6E569B9-028C-4264-A9F6-78E935CAB15A}" destId="{5891B9FA-9F1B-4351-808E-8C8B468E4A6A}" srcOrd="0" destOrd="0" parTransId="{1D88E538-A20F-49C7-B02C-57088FE3594F}" sibTransId="{B7E3E0FB-72C0-4F7E-A6D8-75CCE6329BB2}"/>
-    <dgm:cxn modelId="{972F287D-1294-42B2-8367-F11B1FB02476}" srcId="{C6E569B9-028C-4264-A9F6-78E935CAB15A}" destId="{67379080-4645-462D-A324-5DEAAC576B15}" srcOrd="1" destOrd="0" parTransId="{3790D02A-61A6-40E4-886D-7F6B48A570B4}" sibTransId="{E0069D59-5A47-4801-9B90-63082F853305}"/>
-    <dgm:cxn modelId="{21ABE45E-E644-4062-B939-79F19349A8B1}" type="presOf" srcId="{2D8FB310-42BC-48BC-8FA0-7FEA6C172D82}" destId="{198EFA76-090C-44C1-8B59-EBA8008160CF}" srcOrd="0" destOrd="1" presId="urn:microsoft.com/office/officeart/2005/8/layout/chevron2"/>
-    <dgm:cxn modelId="{9B8843A2-7169-43DF-8CE4-9873307BEE80}" type="presOf" srcId="{5891B9FA-9F1B-4351-808E-8C8B468E4A6A}" destId="{5764B70D-0215-4E4D-9D00-C21302FEE82B}" srcOrd="0" destOrd="0" presId="urn:microsoft.com/office/officeart/2005/8/layout/chevron2"/>
-    <dgm:cxn modelId="{DAB90080-A20B-4DC6-BA1C-06A036B5263E}" srcId="{C6E569B9-028C-4264-A9F6-78E935CAB15A}" destId="{4CB3C145-0F7E-417F-A845-09932A19631E}" srcOrd="2" destOrd="0" parTransId="{A92E7F6F-C026-4FC5-A76C-56BEAE0550F2}" sibTransId="{0326A545-125F-4AC7-B5A0-72F4662DE259}"/>
-    <dgm:cxn modelId="{4ED298E7-8C43-4EF7-A906-55B4088A9748}" type="presOf" srcId="{4D4F4659-957B-423A-BCCC-7662771DB07F}" destId="{198EFA76-090C-44C1-8B59-EBA8008160CF}" srcOrd="0" destOrd="0" presId="urn:microsoft.com/office/officeart/2005/8/layout/chevron2"/>
     <dgm:cxn modelId="{C3315A77-1EFE-4E07-BA56-66295EFA2E17}" srcId="{4CB3C145-0F7E-417F-A845-09932A19631E}" destId="{5DAF054A-76C2-4247-B8D9-4BCF973019F9}" srcOrd="0" destOrd="0" parTransId="{5F26F84F-0733-4E3D-9D63-C05F04029DFD}" sibTransId="{B0830183-68A3-49E7-A085-497DC6FBA1AC}"/>
     <dgm:cxn modelId="{40D85D5A-DA67-4F96-9768-874455E4D91F}" type="presOf" srcId="{5DAF054A-76C2-4247-B8D9-4BCF973019F9}" destId="{9377F4FD-6C2C-4A22-9F49-C241BFC770C0}" srcOrd="0" destOrd="0" presId="urn:microsoft.com/office/officeart/2005/8/layout/chevron2"/>
-    <dgm:cxn modelId="{B867EE1F-3D90-45A9-8218-5FAAB8BA2327}" srcId="{67379080-4645-462D-A324-5DEAAC576B15}" destId="{2D8FB310-42BC-48BC-8FA0-7FEA6C172D82}" srcOrd="1" destOrd="0" parTransId="{DB342938-ACA5-4BE8-93CD-66B59CD65B85}" sibTransId="{14083335-C2A3-46CD-BBD2-EAC3B24F8D63}"/>
-    <dgm:cxn modelId="{199E742D-66E7-4B31-B7E7-DD3DF8596945}" type="presOf" srcId="{4CB3C145-0F7E-417F-A845-09932A19631E}" destId="{3DA43F93-600F-4B61-988F-BF4249AFD8F4}" srcOrd="0" destOrd="0" presId="urn:microsoft.com/office/officeart/2005/8/layout/chevron2"/>
-    <dgm:cxn modelId="{07656562-C7BD-4E63-BEBF-0D823CDAC844}" srcId="{5891B9FA-9F1B-4351-808E-8C8B468E4A6A}" destId="{8FA3C03E-B313-42B1-9704-2000ED9966DA}" srcOrd="1" destOrd="0" parTransId="{D99A37A9-CF0D-449F-AC3A-049458ED032F}" sibTransId="{F3018C24-BB99-4B38-80CE-08CC80FD7291}"/>
-    <dgm:cxn modelId="{320C2D2C-D726-4A03-A038-B2504C70E769}" srcId="{0B2448EF-E205-4A7C-BB04-AD51E4557BD3}" destId="{61F746F4-B5FD-4A2C-8722-F32A6B6CA43C}" srcOrd="0" destOrd="0" parTransId="{B88937D2-75DC-4024-906A-0E6D252226C1}" sibTransId="{70B2D20C-8B88-4273-A269-C1B41E02B280}"/>
-    <dgm:cxn modelId="{12D95725-A56B-4E9B-8B12-D31EFF9611D6}" srcId="{67379080-4645-462D-A324-5DEAAC576B15}" destId="{4D4F4659-957B-423A-BCCC-7662771DB07F}" srcOrd="0" destOrd="0" parTransId="{8CD13F4E-EDCC-4EC1-8C31-8C57E9057FA6}" sibTransId="{BE8B0E08-ABF4-4F9F-BD42-AEF2B5C8ED94}"/>
+    <dgm:cxn modelId="{972F287D-1294-42B2-8367-F11B1FB02476}" srcId="{C6E569B9-028C-4264-A9F6-78E935CAB15A}" destId="{67379080-4645-462D-A324-5DEAAC576B15}" srcOrd="1" destOrd="0" parTransId="{3790D02A-61A6-40E4-886D-7F6B48A570B4}" sibTransId="{E0069D59-5A47-4801-9B90-63082F853305}"/>
+    <dgm:cxn modelId="{415A217E-8AEF-4A4F-BDF7-730AB65BAA49}" srcId="{5891B9FA-9F1B-4351-808E-8C8B468E4A6A}" destId="{90618DF7-8438-4639-9404-C86B26DD28D3}" srcOrd="0" destOrd="0" parTransId="{E1BB8836-17E5-4716-A50D-CD1DE8619FA6}" sibTransId="{556F4ECA-6B3A-4232-BFD4-AEA8E47C4943}"/>
+    <dgm:cxn modelId="{DAB90080-A20B-4DC6-BA1C-06A036B5263E}" srcId="{C6E569B9-028C-4264-A9F6-78E935CAB15A}" destId="{4CB3C145-0F7E-417F-A845-09932A19631E}" srcOrd="2" destOrd="0" parTransId="{A92E7F6F-C026-4FC5-A76C-56BEAE0550F2}" sibTransId="{0326A545-125F-4AC7-B5A0-72F4662DE259}"/>
+    <dgm:cxn modelId="{56C10382-61C5-45E3-ACF5-1DEDDA62921F}" srcId="{C6E569B9-028C-4264-A9F6-78E935CAB15A}" destId="{0B2448EF-E205-4A7C-BB04-AD51E4557BD3}" srcOrd="3" destOrd="0" parTransId="{FC9D813A-A5A5-40AF-94BA-805E7284FB9E}" sibTransId="{C8E56AA8-43E8-4FE5-955A-D0ACA179EA8E}"/>
+    <dgm:cxn modelId="{9B8843A2-7169-43DF-8CE4-9873307BEE80}" type="presOf" srcId="{5891B9FA-9F1B-4351-808E-8C8B468E4A6A}" destId="{5764B70D-0215-4E4D-9D00-C21302FEE82B}" srcOrd="0" destOrd="0" presId="urn:microsoft.com/office/officeart/2005/8/layout/chevron2"/>
+    <dgm:cxn modelId="{21AFAEA9-34D7-446B-A498-457C2DAC3FD3}" type="presOf" srcId="{61F746F4-B5FD-4A2C-8722-F32A6B6CA43C}" destId="{DE452A04-179D-400A-B952-A12F47CD3D4A}" srcOrd="0" destOrd="0" presId="urn:microsoft.com/office/officeart/2005/8/layout/chevron2"/>
+    <dgm:cxn modelId="{F030D3CB-C4BB-4CC1-96A9-C71E3356892E}" type="presOf" srcId="{90618DF7-8438-4639-9404-C86B26DD28D3}" destId="{3B24883A-7B2F-4D41-B670-48C4F913B4ED}" srcOrd="0" destOrd="0" presId="urn:microsoft.com/office/officeart/2005/8/layout/chevron2"/>
+    <dgm:cxn modelId="{ADF829CF-4606-40D1-8096-BC3C3579F113}" srcId="{C6E569B9-028C-4264-A9F6-78E935CAB15A}" destId="{5891B9FA-9F1B-4351-808E-8C8B468E4A6A}" srcOrd="0" destOrd="0" parTransId="{1D88E538-A20F-49C7-B02C-57088FE3594F}" sibTransId="{B7E3E0FB-72C0-4F7E-A6D8-75CCE6329BB2}"/>
+    <dgm:cxn modelId="{4ED298E7-8C43-4EF7-A906-55B4088A9748}" type="presOf" srcId="{4D4F4659-957B-423A-BCCC-7662771DB07F}" destId="{198EFA76-090C-44C1-8B59-EBA8008160CF}" srcOrd="0" destOrd="0" presId="urn:microsoft.com/office/officeart/2005/8/layout/chevron2"/>
+    <dgm:cxn modelId="{22C4ADFF-6946-4AD0-A2BD-02AADAC9D6E6}" type="presOf" srcId="{67379080-4645-462D-A324-5DEAAC576B15}" destId="{B8D70098-0B08-4EA0-A638-1E7FE63B3BF4}" srcOrd="0" destOrd="0" presId="urn:microsoft.com/office/officeart/2005/8/layout/chevron2"/>
     <dgm:cxn modelId="{585999CE-0DD7-4EC0-9B92-32400BD2EE61}" type="presParOf" srcId="{8D813641-B53B-40AA-94C8-41E5DFD8D723}" destId="{984E8594-FD8D-4A49-AEA4-970D88C141EC}" srcOrd="0" destOrd="0" presId="urn:microsoft.com/office/officeart/2005/8/layout/chevron2"/>
     <dgm:cxn modelId="{471601EA-7040-46B3-9784-BD0E1101A0BF}" type="presParOf" srcId="{984E8594-FD8D-4A49-AEA4-970D88C141EC}" destId="{5764B70D-0215-4E4D-9D00-C21302FEE82B}" srcOrd="0" destOrd="0" presId="urn:microsoft.com/office/officeart/2005/8/layout/chevron2"/>
     <dgm:cxn modelId="{693B385D-A380-4D5A-BA75-3E186D90CBD7}" type="presParOf" srcId="{984E8594-FD8D-4A49-AEA4-970D88C141EC}" destId="{3B24883A-7B2F-4D41-B670-48C4F913B4ED}" srcOrd="1" destOrd="0" presId="urn:microsoft.com/office/officeart/2005/8/layout/chevron2"/>
@@ -1439,7 +1465,7 @@
         </a:bodyPr>
         <a:lstStyle/>
         <a:p>
-          <a:pPr lvl="0" algn="ctr" defTabSz="622300">
+          <a:pPr marL="0" lvl="0" indent="0" algn="ctr" defTabSz="622300">
             <a:lnSpc>
               <a:spcPct val="90000"/>
             </a:lnSpc>
@@ -1449,9 +1475,10 @@
             <a:spcAft>
               <a:spcPct val="35000"/>
             </a:spcAft>
+            <a:buNone/>
           </a:pPr>
           <a:r>
-            <a:rPr lang="en-US" sz="1400" b="0" i="0" kern="1200" dirty="0" smtClean="0"/>
+            <a:rPr lang="en-US" sz="1400" b="0" i="0" kern="1200" dirty="0"/>
             <a:t>Exploratory Data Analysis</a:t>
           </a:r>
           <a:endParaRPr lang="zh-CN" altLang="en-US" sz="1400" kern="1200" dirty="0"/>
@@ -1526,10 +1553,10 @@
             <a:spcAft>
               <a:spcPct val="15000"/>
             </a:spcAft>
-            <a:buChar char="••"/>
+            <a:buChar char="•"/>
           </a:pPr>
           <a:r>
-            <a:rPr lang="en-US" altLang="zh-CN" sz="2200" kern="1200" dirty="0" smtClean="0"/>
+            <a:rPr lang="en-US" altLang="zh-CN" sz="2200" kern="1200" dirty="0"/>
             <a:t>Determine what variables should be taken into consideration</a:t>
           </a:r>
           <a:endParaRPr lang="zh-CN" altLang="en-US" sz="2200" kern="1200" dirty="0"/>
@@ -1545,10 +1572,10 @@
             <a:spcAft>
               <a:spcPct val="15000"/>
             </a:spcAft>
-            <a:buChar char="••"/>
+            <a:buChar char="•"/>
           </a:pPr>
           <a:r>
-            <a:rPr lang="en-US" altLang="zh-CN" sz="2200" kern="1200" dirty="0" smtClean="0"/>
+            <a:rPr lang="en-US" altLang="zh-CN" sz="2200" kern="1200" dirty="0"/>
             <a:t>Visualize data to observe correlation between variables</a:t>
           </a:r>
           <a:endParaRPr lang="zh-CN" altLang="en-US" sz="2200" kern="1200" dirty="0"/>
@@ -1614,7 +1641,7 @@
         </a:bodyPr>
         <a:lstStyle/>
         <a:p>
-          <a:pPr lvl="0" algn="ctr" defTabSz="622300">
+          <a:pPr marL="0" lvl="0" indent="0" algn="ctr" defTabSz="622300">
             <a:lnSpc>
               <a:spcPct val="90000"/>
             </a:lnSpc>
@@ -1624,9 +1651,10 @@
             <a:spcAft>
               <a:spcPct val="35000"/>
             </a:spcAft>
+            <a:buNone/>
           </a:pPr>
           <a:r>
-            <a:rPr lang="en-US" altLang="zh-CN" sz="1400" kern="1200" dirty="0" smtClean="0"/>
+            <a:rPr lang="en-US" altLang="zh-CN" sz="1400" kern="1200" dirty="0"/>
             <a:t>Feature Extraction</a:t>
           </a:r>
           <a:endParaRPr lang="zh-CN" altLang="en-US" sz="1400" kern="1200" dirty="0"/>
@@ -1701,10 +1729,10 @@
             <a:spcAft>
               <a:spcPct val="15000"/>
             </a:spcAft>
-            <a:buChar char="••"/>
+            <a:buChar char="•"/>
           </a:pPr>
           <a:r>
-            <a:rPr lang="en-US" altLang="zh-CN" sz="2200" kern="1200" dirty="0" smtClean="0"/>
+            <a:rPr lang="en-US" altLang="zh-CN" sz="2200" kern="1200" dirty="0"/>
             <a:t>Encoding categories variables</a:t>
           </a:r>
           <a:endParaRPr lang="zh-CN" altLang="en-US" sz="2200" kern="1200" dirty="0"/>
@@ -1720,11 +1748,11 @@
             <a:spcAft>
               <a:spcPct val="15000"/>
             </a:spcAft>
-            <a:buChar char="••"/>
+            <a:buChar char="•"/>
           </a:pPr>
           <a:r>
-            <a:rPr lang="en-US" altLang="zh-CN" sz="2200" kern="1200" dirty="0" smtClean="0"/>
-            <a:t>Extract key features by using PCA</a:t>
+            <a:rPr lang="en-US" altLang="zh-CN" sz="2200" kern="1200" dirty="0"/>
+            <a:t>Extract important features by using PCA</a:t>
           </a:r>
           <a:endParaRPr lang="zh-CN" altLang="en-US" sz="2200" kern="1200" dirty="0"/>
         </a:p>
@@ -1789,7 +1817,7 @@
         </a:bodyPr>
         <a:lstStyle/>
         <a:p>
-          <a:pPr lvl="0" algn="ctr" defTabSz="622300">
+          <a:pPr marL="0" lvl="0" indent="0" algn="ctr" defTabSz="622300">
             <a:lnSpc>
               <a:spcPct val="90000"/>
             </a:lnSpc>
@@ -1799,9 +1827,10 @@
             <a:spcAft>
               <a:spcPct val="35000"/>
             </a:spcAft>
+            <a:buNone/>
           </a:pPr>
           <a:r>
-            <a:rPr lang="en-US" altLang="zh-CN" sz="1400" kern="1200" dirty="0" smtClean="0"/>
+            <a:rPr lang="en-US" altLang="zh-CN" sz="1400" kern="1200" dirty="0"/>
             <a:t>Model Fitting</a:t>
           </a:r>
           <a:endParaRPr lang="zh-CN" altLang="en-US" sz="1400" kern="1200" dirty="0"/>
@@ -1876,10 +1905,10 @@
             <a:spcAft>
               <a:spcPct val="15000"/>
             </a:spcAft>
-            <a:buChar char="••"/>
+            <a:buChar char="•"/>
           </a:pPr>
           <a:r>
-            <a:rPr lang="en-US" sz="2200" b="0" i="0" kern="1200" dirty="0" smtClean="0"/>
+            <a:rPr lang="en-US" sz="2200" b="0" i="0" kern="1200" dirty="0"/>
             <a:t>Using Neural Network Model</a:t>
           </a:r>
           <a:endParaRPr lang="zh-CN" altLang="en-US" sz="2200" kern="1200" dirty="0"/>
@@ -1945,7 +1974,7 @@
         </a:bodyPr>
         <a:lstStyle/>
         <a:p>
-          <a:pPr lvl="0" algn="ctr" defTabSz="622300">
+          <a:pPr marL="0" lvl="0" indent="0" algn="ctr" defTabSz="622300">
             <a:lnSpc>
               <a:spcPct val="90000"/>
             </a:lnSpc>
@@ -1955,9 +1984,10 @@
             <a:spcAft>
               <a:spcPct val="35000"/>
             </a:spcAft>
+            <a:buNone/>
           </a:pPr>
           <a:r>
-            <a:rPr lang="en-US" altLang="zh-CN" sz="1400" kern="1200" dirty="0" smtClean="0"/>
+            <a:rPr lang="en-US" altLang="zh-CN" sz="1400" kern="1200" dirty="0"/>
             <a:t>Prediction</a:t>
           </a:r>
           <a:endParaRPr lang="zh-CN" altLang="en-US" sz="1400" kern="1200" dirty="0"/>
@@ -2032,10 +2062,10 @@
             <a:spcAft>
               <a:spcPct val="15000"/>
             </a:spcAft>
-            <a:buChar char="••"/>
+            <a:buChar char="•"/>
           </a:pPr>
           <a:r>
-            <a:rPr lang="en-US" altLang="zh-CN" sz="2200" kern="1200" dirty="0" smtClean="0"/>
+            <a:rPr lang="en-US" altLang="zh-CN" sz="2200" kern="1200" dirty="0"/>
             <a:t>Use the fitted model to predict</a:t>
           </a:r>
           <a:endParaRPr lang="zh-CN" altLang="en-US" sz="2200" kern="1200" dirty="0"/>
@@ -3382,10 +3412,9 @@
           </a:lstStyle>
           <a:p>
             <a:r>
-              <a:rPr lang="zh-CN" altLang="en-US" smtClean="0"/>
+              <a:rPr lang="zh-CN" altLang="en-US"/>
               <a:t>单击此处编辑母版标题样式</a:t>
             </a:r>
-            <a:endParaRPr lang="zh-CN" altLang="en-US"/>
           </a:p>
         </p:txBody>
       </p:sp>
@@ -3447,10 +3476,9 @@
           </a:lstStyle>
           <a:p>
             <a:r>
-              <a:rPr lang="zh-CN" altLang="en-US" smtClean="0"/>
+              <a:rPr lang="zh-CN" altLang="en-US"/>
               <a:t>单击以编辑母版副标题样式</a:t>
             </a:r>
-            <a:endParaRPr lang="zh-CN" altLang="en-US"/>
           </a:p>
         </p:txBody>
       </p:sp>
@@ -3565,10 +3593,9 @@
           <a:lstStyle/>
           <a:p>
             <a:r>
-              <a:rPr lang="zh-CN" altLang="en-US" smtClean="0"/>
+              <a:rPr lang="zh-CN" altLang="en-US"/>
               <a:t>单击此处编辑母版标题样式</a:t>
             </a:r>
-            <a:endParaRPr lang="zh-CN" altLang="en-US"/>
           </a:p>
         </p:txBody>
       </p:sp>
@@ -3589,38 +3616,37 @@
           <a:p>
             <a:pPr lvl="0"/>
             <a:r>
-              <a:rPr lang="zh-CN" altLang="en-US" smtClean="0"/>
+              <a:rPr lang="zh-CN" altLang="en-US"/>
               <a:t>编辑母版文本样式</a:t>
             </a:r>
           </a:p>
           <a:p>
             <a:pPr lvl="1"/>
             <a:r>
-              <a:rPr lang="zh-CN" altLang="en-US" smtClean="0"/>
+              <a:rPr lang="zh-CN" altLang="en-US"/>
               <a:t>第二级</a:t>
             </a:r>
           </a:p>
           <a:p>
             <a:pPr lvl="2"/>
             <a:r>
-              <a:rPr lang="zh-CN" altLang="en-US" smtClean="0"/>
+              <a:rPr lang="zh-CN" altLang="en-US"/>
               <a:t>第三级</a:t>
             </a:r>
           </a:p>
           <a:p>
             <a:pPr lvl="3"/>
             <a:r>
-              <a:rPr lang="zh-CN" altLang="en-US" smtClean="0"/>
+              <a:rPr lang="zh-CN" altLang="en-US"/>
               <a:t>第四级</a:t>
             </a:r>
           </a:p>
           <a:p>
             <a:pPr lvl="4"/>
             <a:r>
-              <a:rPr lang="zh-CN" altLang="en-US" smtClean="0"/>
+              <a:rPr lang="zh-CN" altLang="en-US"/>
               <a:t>第五级</a:t>
             </a:r>
-            <a:endParaRPr lang="zh-CN" altLang="en-US"/>
           </a:p>
         </p:txBody>
       </p:sp>
@@ -3740,10 +3766,9 @@
           <a:lstStyle/>
           <a:p>
             <a:r>
-              <a:rPr lang="zh-CN" altLang="en-US" smtClean="0"/>
+              <a:rPr lang="zh-CN" altLang="en-US"/>
               <a:t>单击此处编辑母版标题样式</a:t>
             </a:r>
-            <a:endParaRPr lang="zh-CN" altLang="en-US"/>
           </a:p>
         </p:txBody>
       </p:sp>
@@ -3769,38 +3794,37 @@
           <a:p>
             <a:pPr lvl="0"/>
             <a:r>
-              <a:rPr lang="zh-CN" altLang="en-US" smtClean="0"/>
+              <a:rPr lang="zh-CN" altLang="en-US"/>
               <a:t>编辑母版文本样式</a:t>
             </a:r>
           </a:p>
           <a:p>
             <a:pPr lvl="1"/>
             <a:r>
-              <a:rPr lang="zh-CN" altLang="en-US" smtClean="0"/>
+              <a:rPr lang="zh-CN" altLang="en-US"/>
               <a:t>第二级</a:t>
             </a:r>
           </a:p>
           <a:p>
             <a:pPr lvl="2"/>
             <a:r>
-              <a:rPr lang="zh-CN" altLang="en-US" smtClean="0"/>
+              <a:rPr lang="zh-CN" altLang="en-US"/>
               <a:t>第三级</a:t>
             </a:r>
           </a:p>
           <a:p>
             <a:pPr lvl="3"/>
             <a:r>
-              <a:rPr lang="zh-CN" altLang="en-US" smtClean="0"/>
+              <a:rPr lang="zh-CN" altLang="en-US"/>
               <a:t>第四级</a:t>
             </a:r>
           </a:p>
           <a:p>
             <a:pPr lvl="4"/>
             <a:r>
-              <a:rPr lang="zh-CN" altLang="en-US" smtClean="0"/>
+              <a:rPr lang="zh-CN" altLang="en-US"/>
               <a:t>第五级</a:t>
             </a:r>
-            <a:endParaRPr lang="zh-CN" altLang="en-US"/>
           </a:p>
         </p:txBody>
       </p:sp>
@@ -3915,10 +3939,9 @@
           <a:lstStyle/>
           <a:p>
             <a:r>
-              <a:rPr lang="zh-CN" altLang="en-US" smtClean="0"/>
+              <a:rPr lang="zh-CN" altLang="en-US"/>
               <a:t>单击此处编辑母版标题样式</a:t>
             </a:r>
-            <a:endParaRPr lang="zh-CN" altLang="en-US"/>
           </a:p>
         </p:txBody>
       </p:sp>
@@ -3939,38 +3962,37 @@
           <a:p>
             <a:pPr lvl="0"/>
             <a:r>
-              <a:rPr lang="zh-CN" altLang="en-US" smtClean="0"/>
+              <a:rPr lang="zh-CN" altLang="en-US"/>
               <a:t>编辑母版文本样式</a:t>
             </a:r>
           </a:p>
           <a:p>
             <a:pPr lvl="1"/>
             <a:r>
-              <a:rPr lang="zh-CN" altLang="en-US" smtClean="0"/>
+              <a:rPr lang="zh-CN" altLang="en-US"/>
               <a:t>第二级</a:t>
             </a:r>
           </a:p>
           <a:p>
             <a:pPr lvl="2"/>
             <a:r>
-              <a:rPr lang="zh-CN" altLang="en-US" smtClean="0"/>
+              <a:rPr lang="zh-CN" altLang="en-US"/>
               <a:t>第三级</a:t>
             </a:r>
           </a:p>
           <a:p>
             <a:pPr lvl="3"/>
             <a:r>
-              <a:rPr lang="zh-CN" altLang="en-US" smtClean="0"/>
+              <a:rPr lang="zh-CN" altLang="en-US"/>
               <a:t>第四级</a:t>
             </a:r>
           </a:p>
           <a:p>
             <a:pPr lvl="4"/>
             <a:r>
-              <a:rPr lang="zh-CN" altLang="en-US" smtClean="0"/>
+              <a:rPr lang="zh-CN" altLang="en-US"/>
               <a:t>第五级</a:t>
             </a:r>
-            <a:endParaRPr lang="zh-CN" altLang="en-US"/>
           </a:p>
         </p:txBody>
       </p:sp>
@@ -4094,10 +4116,9 @@
           </a:lstStyle>
           <a:p>
             <a:r>
-              <a:rPr lang="zh-CN" altLang="en-US" smtClean="0"/>
+              <a:rPr lang="zh-CN" altLang="en-US"/>
               <a:t>单击此处编辑母版标题样式</a:t>
             </a:r>
-            <a:endParaRPr lang="zh-CN" altLang="en-US"/>
           </a:p>
         </p:txBody>
       </p:sp>
@@ -4214,7 +4235,7 @@
           <a:p>
             <a:pPr lvl="0"/>
             <a:r>
-              <a:rPr lang="zh-CN" altLang="en-US" smtClean="0"/>
+              <a:rPr lang="zh-CN" altLang="en-US"/>
               <a:t>编辑母版文本样式</a:t>
             </a:r>
           </a:p>
@@ -4331,10 +4352,9 @@
           <a:lstStyle/>
           <a:p>
             <a:r>
-              <a:rPr lang="zh-CN" altLang="en-US" smtClean="0"/>
+              <a:rPr lang="zh-CN" altLang="en-US"/>
               <a:t>单击此处编辑母版标题样式</a:t>
             </a:r>
-            <a:endParaRPr lang="zh-CN" altLang="en-US"/>
           </a:p>
         </p:txBody>
       </p:sp>
@@ -4360,38 +4380,37 @@
           <a:p>
             <a:pPr lvl="0"/>
             <a:r>
-              <a:rPr lang="zh-CN" altLang="en-US" smtClean="0"/>
+              <a:rPr lang="zh-CN" altLang="en-US"/>
               <a:t>编辑母版文本样式</a:t>
             </a:r>
           </a:p>
           <a:p>
             <a:pPr lvl="1"/>
             <a:r>
-              <a:rPr lang="zh-CN" altLang="en-US" smtClean="0"/>
+              <a:rPr lang="zh-CN" altLang="en-US"/>
               <a:t>第二级</a:t>
             </a:r>
           </a:p>
           <a:p>
             <a:pPr lvl="2"/>
             <a:r>
-              <a:rPr lang="zh-CN" altLang="en-US" smtClean="0"/>
+              <a:rPr lang="zh-CN" altLang="en-US"/>
               <a:t>第三级</a:t>
             </a:r>
           </a:p>
           <a:p>
             <a:pPr lvl="3"/>
             <a:r>
-              <a:rPr lang="zh-CN" altLang="en-US" smtClean="0"/>
+              <a:rPr lang="zh-CN" altLang="en-US"/>
               <a:t>第四级</a:t>
             </a:r>
           </a:p>
           <a:p>
             <a:pPr lvl="4"/>
             <a:r>
-              <a:rPr lang="zh-CN" altLang="en-US" smtClean="0"/>
+              <a:rPr lang="zh-CN" altLang="en-US"/>
               <a:t>第五级</a:t>
             </a:r>
-            <a:endParaRPr lang="zh-CN" altLang="en-US"/>
           </a:p>
         </p:txBody>
       </p:sp>
@@ -4417,38 +4436,37 @@
           <a:p>
             <a:pPr lvl="0"/>
             <a:r>
-              <a:rPr lang="zh-CN" altLang="en-US" smtClean="0"/>
+              <a:rPr lang="zh-CN" altLang="en-US"/>
               <a:t>编辑母版文本样式</a:t>
             </a:r>
           </a:p>
           <a:p>
             <a:pPr lvl="1"/>
             <a:r>
-              <a:rPr lang="zh-CN" altLang="en-US" smtClean="0"/>
+              <a:rPr lang="zh-CN" altLang="en-US"/>
               <a:t>第二级</a:t>
             </a:r>
           </a:p>
           <a:p>
             <a:pPr lvl="2"/>
             <a:r>
-              <a:rPr lang="zh-CN" altLang="en-US" smtClean="0"/>
+              <a:rPr lang="zh-CN" altLang="en-US"/>
               <a:t>第三级</a:t>
             </a:r>
           </a:p>
           <a:p>
             <a:pPr lvl="3"/>
             <a:r>
-              <a:rPr lang="zh-CN" altLang="en-US" smtClean="0"/>
+              <a:rPr lang="zh-CN" altLang="en-US"/>
               <a:t>第四级</a:t>
             </a:r>
           </a:p>
           <a:p>
             <a:pPr lvl="4"/>
             <a:r>
-              <a:rPr lang="zh-CN" altLang="en-US" smtClean="0"/>
+              <a:rPr lang="zh-CN" altLang="en-US"/>
               <a:t>第五级</a:t>
             </a:r>
-            <a:endParaRPr lang="zh-CN" altLang="en-US"/>
           </a:p>
         </p:txBody>
       </p:sp>
@@ -4568,10 +4586,9 @@
           <a:lstStyle/>
           <a:p>
             <a:r>
-              <a:rPr lang="zh-CN" altLang="en-US" smtClean="0"/>
+              <a:rPr lang="zh-CN" altLang="en-US"/>
               <a:t>单击此处编辑母版标题样式</a:t>
             </a:r>
-            <a:endParaRPr lang="zh-CN" altLang="en-US"/>
           </a:p>
         </p:txBody>
       </p:sp>
@@ -4634,7 +4651,7 @@
           <a:p>
             <a:pPr lvl="0"/>
             <a:r>
-              <a:rPr lang="zh-CN" altLang="en-US" smtClean="0"/>
+              <a:rPr lang="zh-CN" altLang="en-US"/>
               <a:t>编辑母版文本样式</a:t>
             </a:r>
           </a:p>
@@ -4662,38 +4679,37 @@
           <a:p>
             <a:pPr lvl="0"/>
             <a:r>
-              <a:rPr lang="zh-CN" altLang="en-US" smtClean="0"/>
+              <a:rPr lang="zh-CN" altLang="en-US"/>
               <a:t>编辑母版文本样式</a:t>
             </a:r>
           </a:p>
           <a:p>
             <a:pPr lvl="1"/>
             <a:r>
-              <a:rPr lang="zh-CN" altLang="en-US" smtClean="0"/>
+              <a:rPr lang="zh-CN" altLang="en-US"/>
               <a:t>第二级</a:t>
             </a:r>
           </a:p>
           <a:p>
             <a:pPr lvl="2"/>
             <a:r>
-              <a:rPr lang="zh-CN" altLang="en-US" smtClean="0"/>
+              <a:rPr lang="zh-CN" altLang="en-US"/>
               <a:t>第三级</a:t>
             </a:r>
           </a:p>
           <a:p>
             <a:pPr lvl="3"/>
             <a:r>
-              <a:rPr lang="zh-CN" altLang="en-US" smtClean="0"/>
+              <a:rPr lang="zh-CN" altLang="en-US"/>
               <a:t>第四级</a:t>
             </a:r>
           </a:p>
           <a:p>
             <a:pPr lvl="4"/>
             <a:r>
-              <a:rPr lang="zh-CN" altLang="en-US" smtClean="0"/>
+              <a:rPr lang="zh-CN" altLang="en-US"/>
               <a:t>第五级</a:t>
             </a:r>
-            <a:endParaRPr lang="zh-CN" altLang="en-US"/>
           </a:p>
         </p:txBody>
       </p:sp>
@@ -4756,7 +4772,7 @@
           <a:p>
             <a:pPr lvl="0"/>
             <a:r>
-              <a:rPr lang="zh-CN" altLang="en-US" smtClean="0"/>
+              <a:rPr lang="zh-CN" altLang="en-US"/>
               <a:t>编辑母版文本样式</a:t>
             </a:r>
           </a:p>
@@ -4784,38 +4800,37 @@
           <a:p>
             <a:pPr lvl="0"/>
             <a:r>
-              <a:rPr lang="zh-CN" altLang="en-US" smtClean="0"/>
+              <a:rPr lang="zh-CN" altLang="en-US"/>
               <a:t>编辑母版文本样式</a:t>
             </a:r>
           </a:p>
           <a:p>
             <a:pPr lvl="1"/>
             <a:r>
-              <a:rPr lang="zh-CN" altLang="en-US" smtClean="0"/>
+              <a:rPr lang="zh-CN" altLang="en-US"/>
               <a:t>第二级</a:t>
             </a:r>
           </a:p>
           <a:p>
             <a:pPr lvl="2"/>
             <a:r>
-              <a:rPr lang="zh-CN" altLang="en-US" smtClean="0"/>
+              <a:rPr lang="zh-CN" altLang="en-US"/>
               <a:t>第三级</a:t>
             </a:r>
           </a:p>
           <a:p>
             <a:pPr lvl="3"/>
             <a:r>
-              <a:rPr lang="zh-CN" altLang="en-US" smtClean="0"/>
+              <a:rPr lang="zh-CN" altLang="en-US"/>
               <a:t>第四级</a:t>
             </a:r>
           </a:p>
           <a:p>
             <a:pPr lvl="4"/>
             <a:r>
-              <a:rPr lang="zh-CN" altLang="en-US" smtClean="0"/>
+              <a:rPr lang="zh-CN" altLang="en-US"/>
               <a:t>第五级</a:t>
             </a:r>
-            <a:endParaRPr lang="zh-CN" altLang="en-US"/>
           </a:p>
         </p:txBody>
       </p:sp>
@@ -4930,10 +4945,9 @@
           <a:lstStyle/>
           <a:p>
             <a:r>
-              <a:rPr lang="zh-CN" altLang="en-US" smtClean="0"/>
+              <a:rPr lang="zh-CN" altLang="en-US"/>
               <a:t>单击此处编辑母版标题样式</a:t>
             </a:r>
-            <a:endParaRPr lang="zh-CN" altLang="en-US"/>
           </a:p>
         </p:txBody>
       </p:sp>
@@ -5152,10 +5166,9 @@
           </a:lstStyle>
           <a:p>
             <a:r>
-              <a:rPr lang="zh-CN" altLang="en-US" smtClean="0"/>
+              <a:rPr lang="zh-CN" altLang="en-US"/>
               <a:t>单击此处编辑母版标题样式</a:t>
             </a:r>
-            <a:endParaRPr lang="zh-CN" altLang="en-US"/>
           </a:p>
         </p:txBody>
       </p:sp>
@@ -5209,38 +5222,37 @@
           <a:p>
             <a:pPr lvl="0"/>
             <a:r>
-              <a:rPr lang="zh-CN" altLang="en-US" smtClean="0"/>
+              <a:rPr lang="zh-CN" altLang="en-US"/>
               <a:t>编辑母版文本样式</a:t>
             </a:r>
           </a:p>
           <a:p>
             <a:pPr lvl="1"/>
             <a:r>
-              <a:rPr lang="zh-CN" altLang="en-US" smtClean="0"/>
+              <a:rPr lang="zh-CN" altLang="en-US"/>
               <a:t>第二级</a:t>
             </a:r>
           </a:p>
           <a:p>
             <a:pPr lvl="2"/>
             <a:r>
-              <a:rPr lang="zh-CN" altLang="en-US" smtClean="0"/>
+              <a:rPr lang="zh-CN" altLang="en-US"/>
               <a:t>第三级</a:t>
             </a:r>
           </a:p>
           <a:p>
             <a:pPr lvl="3"/>
             <a:r>
-              <a:rPr lang="zh-CN" altLang="en-US" smtClean="0"/>
+              <a:rPr lang="zh-CN" altLang="en-US"/>
               <a:t>第四级</a:t>
             </a:r>
           </a:p>
           <a:p>
             <a:pPr lvl="4"/>
             <a:r>
-              <a:rPr lang="zh-CN" altLang="en-US" smtClean="0"/>
+              <a:rPr lang="zh-CN" altLang="en-US"/>
               <a:t>第五级</a:t>
             </a:r>
-            <a:endParaRPr lang="zh-CN" altLang="en-US"/>
           </a:p>
         </p:txBody>
       </p:sp>
@@ -5303,7 +5315,7 @@
           <a:p>
             <a:pPr lvl="0"/>
             <a:r>
-              <a:rPr lang="zh-CN" altLang="en-US" smtClean="0"/>
+              <a:rPr lang="zh-CN" altLang="en-US"/>
               <a:t>编辑母版文本样式</a:t>
             </a:r>
           </a:p>
@@ -5429,10 +5441,9 @@
           </a:lstStyle>
           <a:p>
             <a:r>
-              <a:rPr lang="zh-CN" altLang="en-US" smtClean="0"/>
+              <a:rPr lang="zh-CN" altLang="en-US"/>
               <a:t>单击此处编辑母版标题样式</a:t>
             </a:r>
-            <a:endParaRPr lang="zh-CN" altLang="en-US"/>
           </a:p>
         </p:txBody>
       </p:sp>
@@ -5556,7 +5567,7 @@
           <a:p>
             <a:pPr lvl="0"/>
             <a:r>
-              <a:rPr lang="zh-CN" altLang="en-US" smtClean="0"/>
+              <a:rPr lang="zh-CN" altLang="en-US"/>
               <a:t>编辑母版文本样式</a:t>
             </a:r>
           </a:p>
@@ -5688,10 +5699,9 @@
           <a:lstStyle/>
           <a:p>
             <a:r>
-              <a:rPr lang="zh-CN" altLang="en-US" smtClean="0"/>
+              <a:rPr lang="zh-CN" altLang="en-US"/>
               <a:t>单击此处编辑母版标题样式</a:t>
             </a:r>
-            <a:endParaRPr lang="zh-CN" altLang="en-US"/>
           </a:p>
         </p:txBody>
       </p:sp>
@@ -5722,38 +5732,37 @@
           <a:p>
             <a:pPr lvl="0"/>
             <a:r>
-              <a:rPr lang="zh-CN" altLang="en-US" smtClean="0"/>
+              <a:rPr lang="zh-CN" altLang="en-US"/>
               <a:t>编辑母版文本样式</a:t>
             </a:r>
           </a:p>
           <a:p>
             <a:pPr lvl="1"/>
             <a:r>
-              <a:rPr lang="zh-CN" altLang="en-US" smtClean="0"/>
+              <a:rPr lang="zh-CN" altLang="en-US"/>
               <a:t>第二级</a:t>
             </a:r>
           </a:p>
           <a:p>
             <a:pPr lvl="2"/>
             <a:r>
-              <a:rPr lang="zh-CN" altLang="en-US" smtClean="0"/>
+              <a:rPr lang="zh-CN" altLang="en-US"/>
               <a:t>第三级</a:t>
             </a:r>
           </a:p>
           <a:p>
             <a:pPr lvl="3"/>
             <a:r>
-              <a:rPr lang="zh-CN" altLang="en-US" smtClean="0"/>
+              <a:rPr lang="zh-CN" altLang="en-US"/>
               <a:t>第四级</a:t>
             </a:r>
           </a:p>
           <a:p>
             <a:pPr lvl="4"/>
             <a:r>
-              <a:rPr lang="zh-CN" altLang="en-US" smtClean="0"/>
+              <a:rPr lang="zh-CN" altLang="en-US"/>
               <a:t>第五级</a:t>
             </a:r>
-            <a:endParaRPr lang="zh-CN" altLang="en-US"/>
           </a:p>
         </p:txBody>
       </p:sp>
@@ -6209,7 +6218,7 @@
         </p:nvSpPr>
         <p:spPr>
           <a:xfrm>
-            <a:off x="1080051" y="1779104"/>
+            <a:off x="761999" y="2191577"/>
             <a:ext cx="10668001" cy="2474846"/>
           </a:xfrm>
         </p:spPr>
@@ -6220,52 +6229,24 @@
           <a:lstStyle/>
           <a:p>
             <a:r>
-              <a:rPr lang="en-US" altLang="zh-CN" dirty="0" smtClean="0">
-                <a:latin typeface="Times New Roman" panose="02020603050405020304" pitchFamily="18" charset="0"/>
-                <a:cs typeface="Times New Roman" panose="02020603050405020304" pitchFamily="18" charset="0"/>
-              </a:rPr>
-              <a:t>Predicting </a:t>
-            </a:r>
-            <a:r>
               <a:rPr lang="en-US" altLang="zh-CN" dirty="0">
                 <a:latin typeface="Times New Roman" panose="02020603050405020304" pitchFamily="18" charset="0"/>
                 <a:cs typeface="Times New Roman" panose="02020603050405020304" pitchFamily="18" charset="0"/>
               </a:rPr>
-              <a:t>Rate of Penetration (ROP) </a:t>
-            </a:r>
-            <a:r>
-              <a:rPr lang="en-US" altLang="zh-CN" dirty="0" smtClean="0">
-                <a:latin typeface="Times New Roman" panose="02020603050405020304" pitchFamily="18" charset="0"/>
-                <a:cs typeface="Times New Roman" panose="02020603050405020304" pitchFamily="18" charset="0"/>
-              </a:rPr>
-              <a:t/>
+              <a:t>Predicting Rate of Penetration (ROP) </a:t>
             </a:r>
             <a:br>
-              <a:rPr lang="en-US" altLang="zh-CN" dirty="0" smtClean="0">
+              <a:rPr lang="en-US" altLang="zh-CN" dirty="0">
                 <a:latin typeface="Times New Roman" panose="02020603050405020304" pitchFamily="18" charset="0"/>
                 <a:cs typeface="Times New Roman" panose="02020603050405020304" pitchFamily="18" charset="0"/>
               </a:rPr>
             </a:br>
             <a:r>
-              <a:rPr lang="en-US" altLang="zh-CN" dirty="0" smtClean="0">
-                <a:latin typeface="Times New Roman" panose="02020603050405020304" pitchFamily="18" charset="0"/>
-                <a:cs typeface="Times New Roman" panose="02020603050405020304" pitchFamily="18" charset="0"/>
-              </a:rPr>
-              <a:t>for </a:t>
-            </a:r>
-            <a:r>
               <a:rPr lang="en-US" altLang="zh-CN" dirty="0">
                 <a:latin typeface="Times New Roman" panose="02020603050405020304" pitchFamily="18" charset="0"/>
                 <a:cs typeface="Times New Roman" panose="02020603050405020304" pitchFamily="18" charset="0"/>
               </a:rPr>
-              <a:t>new well plans</a:t>
-            </a:r>
-            <a:r>
-              <a:rPr lang="zh-CN" altLang="zh-CN" dirty="0">
-                <a:latin typeface="Times New Roman" panose="02020603050405020304" pitchFamily="18" charset="0"/>
-                <a:cs typeface="Times New Roman" panose="02020603050405020304" pitchFamily="18" charset="0"/>
-              </a:rPr>
-              <a:t/>
+              <a:t>for new well plans</a:t>
             </a:r>
             <a:br>
               <a:rPr lang="zh-CN" altLang="zh-CN" dirty="0">
@@ -6292,7 +6273,7 @@
         </p:nvSpPr>
         <p:spPr>
           <a:xfrm>
-            <a:off x="7013714" y="4099894"/>
+            <a:off x="6971184" y="4907968"/>
             <a:ext cx="4959626" cy="1639956"/>
           </a:xfrm>
         </p:spPr>
@@ -6304,39 +6285,39 @@
           <a:p>
             <a:pPr algn="l"/>
             <a:r>
-              <a:rPr lang="en-US" altLang="zh-CN" dirty="0" err="1" smtClean="0"/>
+              <a:rPr lang="en-US" altLang="zh-CN" dirty="0" err="1"/>
               <a:t>Ziwei</a:t>
             </a:r>
             <a:r>
-              <a:rPr lang="en-US" altLang="zh-CN" dirty="0" smtClean="0"/>
+              <a:rPr lang="en-US" altLang="zh-CN" dirty="0"/>
               <a:t> Li (zl106@rice.edu)</a:t>
             </a:r>
           </a:p>
           <a:p>
             <a:pPr algn="l"/>
             <a:r>
-              <a:rPr lang="en-US" altLang="zh-CN" dirty="0" smtClean="0"/>
+              <a:rPr lang="en-US" altLang="zh-CN" dirty="0"/>
               <a:t>Xinyang Song(</a:t>
             </a:r>
             <a:r>
-              <a:rPr lang="en-US" altLang="zh-CN" dirty="0" smtClean="0">
+              <a:rPr lang="en-US" altLang="zh-CN" dirty="0">
                 <a:hlinkClick r:id="rId2"/>
               </a:rPr>
               <a:t>Xinyang.Song@rice.edu</a:t>
             </a:r>
             <a:r>
-              <a:rPr lang="en-US" altLang="zh-CN" dirty="0" smtClean="0"/>
+              <a:rPr lang="en-US" altLang="zh-CN" dirty="0"/>
               <a:t>)</a:t>
             </a:r>
           </a:p>
           <a:p>
             <a:pPr algn="l"/>
-            <a:endParaRPr lang="en-US" altLang="zh-CN" dirty="0" smtClean="0"/>
+            <a:endParaRPr lang="en-US" altLang="zh-CN" dirty="0"/>
           </a:p>
           <a:p>
             <a:pPr algn="l"/>
             <a:r>
-              <a:rPr lang="en-US" altLang="zh-CN" dirty="0" smtClean="0"/>
+              <a:rPr lang="en-US" altLang="zh-CN" dirty="0"/>
               <a:t>January 29, 2022</a:t>
             </a:r>
             <a:endParaRPr lang="zh-CN" altLang="en-US" dirty="0"/>
@@ -6365,7 +6346,7 @@
         </p:blipFill>
         <p:spPr>
           <a:xfrm>
-            <a:off x="536711" y="293204"/>
+            <a:off x="607595" y="364088"/>
             <a:ext cx="1329665" cy="1485900"/>
           </a:xfrm>
           <a:prstGeom prst="rect">
@@ -6383,13 +6364,6 @@
   <p:clrMapOvr>
     <a:masterClrMapping/>
   </p:clrMapOvr>
-  <p:timing>
-    <p:tnLst>
-      <p:par>
-        <p:cTn id="1" dur="indefinite" restart="never" nodeType="tmRoot"/>
-      </p:par>
-    </p:tnLst>
-  </p:timing>
 </p:sld>
 </file>
 
@@ -6417,7 +6391,7 @@
           <p:nvPr>
             <p:extLst>
               <p:ext uri="{D42A27DB-BD31-4B8C-83A1-F6EECF244321}">
-                <p14:modId xmlns:p14="http://schemas.microsoft.com/office/powerpoint/2010/main" val="1295764865"/>
+                <p14:modId xmlns:p14="http://schemas.microsoft.com/office/powerpoint/2010/main" val="1127904992"/>
               </p:ext>
             </p:extLst>
           </p:nvPr>
@@ -6442,13 +6416,6 @@
   <p:clrMapOvr>
     <a:masterClrMapping/>
   </p:clrMapOvr>
-  <p:timing>
-    <p:tnLst>
-      <p:par>
-        <p:cTn id="1" dur="indefinite" restart="never" nodeType="tmRoot"/>
-      </p:par>
-    </p:tnLst>
-  </p:timing>
 </p:sld>
 </file>
 
@@ -6493,7 +6460,7 @@
           <a:p>
             <a:pPr algn="ctr"/>
             <a:r>
-              <a:rPr lang="en-US" altLang="zh-CN" sz="5400" b="0" cap="none" spc="0" dirty="0" smtClean="0">
+              <a:rPr lang="en-US" altLang="zh-CN" sz="5400" b="0" cap="none" spc="0" dirty="0">
                 <a:ln w="0"/>
                 <a:solidFill>
                   <a:schemeClr val="accent1"/>
@@ -6611,7 +6578,7 @@
               <a:buChar char="•"/>
             </a:pPr>
             <a:r>
-              <a:rPr lang="en-US" altLang="zh-CN" sz="2400" dirty="0" smtClean="0"/>
+              <a:rPr lang="en-US" altLang="zh-CN" sz="2400" dirty="0"/>
               <a:t>Imbalanced Data</a:t>
             </a:r>
             <a:endParaRPr lang="zh-CN" altLang="en-US" sz="2400" dirty="0"/>
@@ -6641,11 +6608,11 @@
           <a:lstStyle/>
           <a:p>
             <a:r>
-              <a:rPr lang="en-US" altLang="zh-CN" sz="2400" dirty="0" err="1" smtClean="0"/>
+              <a:rPr lang="en-US" altLang="zh-CN" sz="2400" dirty="0" err="1"/>
               <a:t>Formation_id</a:t>
             </a:r>
             <a:r>
-              <a:rPr lang="en-US" altLang="zh-CN" sz="2400" dirty="0" smtClean="0"/>
+              <a:rPr lang="en-US" altLang="zh-CN" sz="2400" dirty="0"/>
               <a:t> and corresponding counts</a:t>
             </a:r>
             <a:endParaRPr lang="zh-CN" altLang="en-US" sz="2400" dirty="0"/>
@@ -6675,7 +6642,7 @@
           <a:p>
             <a:pPr algn="ctr"/>
             <a:r>
-              <a:rPr lang="en-US" altLang="zh-CN" sz="2800" dirty="0" smtClean="0">
+              <a:rPr lang="en-US" altLang="zh-CN" sz="2800" dirty="0">
                 <a:ln w="0"/>
                 <a:solidFill>
                   <a:srgbClr val="FFC000"/>
@@ -6696,7 +6663,7 @@
           <a:p>
             <a:pPr algn="ctr"/>
             <a:r>
-              <a:rPr lang="en-US" altLang="zh-CN" sz="2800" dirty="0" smtClean="0">
+              <a:rPr lang="en-US" altLang="zh-CN" sz="2800" dirty="0">
                 <a:ln w="0"/>
                 <a:solidFill>
                   <a:srgbClr val="FFC000"/>
@@ -6797,7 +6764,7 @@
           <a:p>
             <a:pPr algn="ctr"/>
             <a:r>
-              <a:rPr lang="en-US" altLang="zh-CN" sz="2800" dirty="0" smtClean="0">
+              <a:rPr lang="en-US" altLang="zh-CN" sz="2800" dirty="0">
                 <a:ln w="0"/>
                 <a:solidFill>
                   <a:srgbClr val="FFC000"/>
@@ -6842,13 +6809,6 @@
   <p:clrMapOvr>
     <a:masterClrMapping/>
   </p:clrMapOvr>
-  <p:timing>
-    <p:tnLst>
-      <p:par>
-        <p:cTn id="1" dur="indefinite" restart="never" nodeType="tmRoot"/>
-      </p:par>
-    </p:tnLst>
-  </p:timing>
 </p:sld>
 </file>
 
@@ -6893,7 +6853,7 @@
           <a:p>
             <a:pPr algn="ctr"/>
             <a:r>
-              <a:rPr lang="en-US" altLang="zh-CN" sz="5400" b="0" cap="none" spc="0" dirty="0" smtClean="0">
+              <a:rPr lang="en-US" altLang="zh-CN" sz="5400" b="0" cap="none" spc="0" dirty="0">
                 <a:ln w="0"/>
                 <a:solidFill>
                   <a:schemeClr val="accent1"/>
@@ -6977,7 +6937,7 @@
           <a:lstStyle/>
           <a:p>
             <a:r>
-              <a:rPr lang="en-US" altLang="zh-CN" sz="2400" dirty="0" smtClean="0"/>
+              <a:rPr lang="en-US" altLang="zh-CN" sz="2400" dirty="0"/>
               <a:t>Correlation Analysis</a:t>
             </a:r>
             <a:endParaRPr lang="zh-CN" altLang="en-US" sz="2400" dirty="0"/>
@@ -7037,7 +6997,7 @@
           <a:lstStyle/>
           <a:p>
             <a:r>
-              <a:rPr lang="en-US" altLang="zh-CN" sz="2400" dirty="0" smtClean="0"/>
+              <a:rPr lang="en-US" altLang="zh-CN" sz="2400" dirty="0"/>
               <a:t>Boxplot by Area</a:t>
             </a:r>
             <a:endParaRPr lang="zh-CN" altLang="en-US" sz="2400" dirty="0"/>
@@ -7054,13 +7014,6 @@
   <p:clrMapOvr>
     <a:masterClrMapping/>
   </p:clrMapOvr>
-  <p:timing>
-    <p:tnLst>
-      <p:par>
-        <p:cTn id="1" dur="indefinite" restart="never" nodeType="tmRoot"/>
-      </p:par>
-    </p:tnLst>
-  </p:timing>
 </p:sld>
 </file>
 
@@ -7105,7 +7058,7 @@
           <a:p>
             <a:pPr algn="ctr"/>
             <a:r>
-              <a:rPr lang="en-US" altLang="zh-CN" sz="5400" b="0" cap="none" spc="0" dirty="0" smtClean="0">
+              <a:rPr lang="en-US" altLang="zh-CN" sz="5400" b="0" cap="none" spc="0" dirty="0">
                 <a:ln w="0"/>
                 <a:solidFill>
                   <a:schemeClr val="accent1"/>
@@ -7144,7 +7097,7 @@
         </p:nvSpPr>
         <p:spPr>
           <a:xfrm>
-            <a:off x="4331575" y="5869561"/>
+            <a:off x="1570190" y="4749598"/>
             <a:ext cx="4653400" cy="461665"/>
           </a:xfrm>
           <a:prstGeom prst="rect">
@@ -7159,7 +7112,7 @@
           <a:lstStyle/>
           <a:p>
             <a:r>
-              <a:rPr lang="en-US" altLang="zh-CN" sz="2400" dirty="0" smtClean="0"/>
+              <a:rPr lang="en-US" altLang="zh-CN" sz="2400" dirty="0"/>
               <a:t>Boxplot by wellbore number</a:t>
             </a:r>
             <a:endParaRPr lang="zh-CN" altLang="en-US" sz="2400" dirty="0"/>
@@ -7190,14 +7143,79 @@
         </p:blipFill>
         <p:spPr>
           <a:xfrm>
-            <a:off x="0" y="1424609"/>
-            <a:ext cx="12192000" cy="4267200"/>
+            <a:off x="0" y="1800293"/>
+            <a:ext cx="8002773" cy="2800970"/>
           </a:xfrm>
           <a:prstGeom prst="rect">
             <a:avLst/>
           </a:prstGeom>
         </p:spPr>
       </p:pic>
+      <p:pic>
+        <p:nvPicPr>
+          <p:cNvPr id="5" name="图片 4">
+            <a:extLst>
+              <a:ext uri="{FF2B5EF4-FFF2-40B4-BE49-F238E27FC236}">
+                <a16:creationId xmlns:a16="http://schemas.microsoft.com/office/drawing/2014/main" id="{1E502453-D661-4C41-A570-6AF1E2BD202E}"/>
+              </a:ext>
+            </a:extLst>
+          </p:cNvPr>
+          <p:cNvPicPr>
+            <a:picLocks noChangeAspect="1"/>
+          </p:cNvPicPr>
+          <p:nvPr/>
+        </p:nvPicPr>
+        <p:blipFill>
+          <a:blip r:embed="rId4"/>
+          <a:stretch>
+            <a:fillRect/>
+          </a:stretch>
+        </p:blipFill>
+        <p:spPr>
+          <a:xfrm>
+            <a:off x="7931889" y="1800293"/>
+            <a:ext cx="4072344" cy="2621358"/>
+          </a:xfrm>
+          <a:prstGeom prst="rect">
+            <a:avLst/>
+          </a:prstGeom>
+        </p:spPr>
+      </p:pic>
+      <p:sp>
+        <p:nvSpPr>
+          <p:cNvPr id="9" name="文本框 8">
+            <a:extLst>
+              <a:ext uri="{FF2B5EF4-FFF2-40B4-BE49-F238E27FC236}">
+                <a16:creationId xmlns:a16="http://schemas.microsoft.com/office/drawing/2014/main" id="{DDECEB28-EF14-46A5-9D52-93BC4A50D37E}"/>
+              </a:ext>
+            </a:extLst>
+          </p:cNvPr>
+          <p:cNvSpPr txBox="1"/>
+          <p:nvPr/>
+        </p:nvSpPr>
+        <p:spPr>
+          <a:xfrm>
+            <a:off x="9427535" y="4822154"/>
+            <a:ext cx="2190307" cy="369332"/>
+          </a:xfrm>
+          <a:prstGeom prst="rect">
+            <a:avLst/>
+          </a:prstGeom>
+          <a:noFill/>
+        </p:spPr>
+        <p:txBody>
+          <a:bodyPr wrap="square" rtlCol="0">
+            <a:spAutoFit/>
+          </a:bodyPr>
+          <a:lstStyle/>
+          <a:p>
+            <a:r>
+              <a:rPr lang="en-US" dirty="0"/>
+              <a:t>ROP Histogram</a:t>
+            </a:r>
+          </a:p>
+        </p:txBody>
+      </p:sp>
     </p:spTree>
     <p:extLst>
       <p:ext uri="{BB962C8B-B14F-4D97-AF65-F5344CB8AC3E}">
@@ -7208,13 +7226,6 @@
   <p:clrMapOvr>
     <a:masterClrMapping/>
   </p:clrMapOvr>
-  <p:timing>
-    <p:tnLst>
-      <p:par>
-        <p:cTn id="1" dur="indefinite" restart="never" nodeType="tmRoot"/>
-      </p:par>
-    </p:tnLst>
-  </p:timing>
 </p:sld>
 </file>
 
